--- a/extras/media/dataflow_lite.pptx
+++ b/extras/media/dataflow_lite.pptx
@@ -64,7 +64,7 @@
         <p:spPr>
           <a:xfrm>
             <a:off x="504000" y="301320"/>
-            <a:ext cx="9070920" cy="1261440"/>
+            <a:ext cx="9072000" cy="1261800"/>
           </a:xfrm>
           <a:prstGeom prst="rect">
             <a:avLst/>
@@ -93,7 +93,7 @@
         <p:spPr>
           <a:xfrm>
             <a:off x="504000" y="1768680"/>
-            <a:ext cx="9071640" cy="2090880"/>
+            <a:ext cx="9072000" cy="2090880"/>
           </a:xfrm>
           <a:prstGeom prst="rect">
             <a:avLst/>
@@ -123,7 +123,7 @@
         <p:spPr>
           <a:xfrm>
             <a:off x="504000" y="4058640"/>
-            <a:ext cx="9071640" cy="2090880"/>
+            <a:ext cx="9072000" cy="2090880"/>
           </a:xfrm>
           <a:prstGeom prst="rect">
             <a:avLst/>
@@ -175,7 +175,7 @@
         <p:spPr>
           <a:xfrm>
             <a:off x="504000" y="301320"/>
-            <a:ext cx="9070920" cy="1261440"/>
+            <a:ext cx="9072000" cy="1261800"/>
           </a:xfrm>
           <a:prstGeom prst="rect">
             <a:avLst/>
@@ -346,7 +346,7 @@
         <p:spPr>
           <a:xfrm>
             <a:off x="504000" y="301320"/>
-            <a:ext cx="9070920" cy="1261440"/>
+            <a:ext cx="9072000" cy="1261800"/>
           </a:xfrm>
           <a:prstGeom prst="rect">
             <a:avLst/>
@@ -375,7 +375,7 @@
         <p:spPr>
           <a:xfrm>
             <a:off x="504000" y="1768680"/>
-            <a:ext cx="2920680" cy="2090880"/>
+            <a:ext cx="2921040" cy="2090880"/>
           </a:xfrm>
           <a:prstGeom prst="rect">
             <a:avLst/>
@@ -404,8 +404,8 @@
         </p:nvSpPr>
         <p:spPr>
           <a:xfrm>
-            <a:off x="3571200" y="1768680"/>
-            <a:ext cx="2920680" cy="2090880"/>
+            <a:off x="3571560" y="1768680"/>
+            <a:ext cx="2921040" cy="2090880"/>
           </a:xfrm>
           <a:prstGeom prst="rect">
             <a:avLst/>
@@ -434,8 +434,8 @@
         </p:nvSpPr>
         <p:spPr>
           <a:xfrm>
-            <a:off x="6638040" y="1768680"/>
-            <a:ext cx="2920680" cy="2090880"/>
+            <a:off x="6639120" y="1768680"/>
+            <a:ext cx="2921040" cy="2090880"/>
           </a:xfrm>
           <a:prstGeom prst="rect">
             <a:avLst/>
@@ -465,7 +465,7 @@
         <p:spPr>
           <a:xfrm>
             <a:off x="504000" y="4058640"/>
-            <a:ext cx="2920680" cy="2090880"/>
+            <a:ext cx="2921040" cy="2090880"/>
           </a:xfrm>
           <a:prstGeom prst="rect">
             <a:avLst/>
@@ -494,8 +494,8 @@
         </p:nvSpPr>
         <p:spPr>
           <a:xfrm>
-            <a:off x="3571200" y="4058640"/>
-            <a:ext cx="2920680" cy="2090880"/>
+            <a:off x="3571560" y="4058640"/>
+            <a:ext cx="2921040" cy="2090880"/>
           </a:xfrm>
           <a:prstGeom prst="rect">
             <a:avLst/>
@@ -524,8 +524,8 @@
         </p:nvSpPr>
         <p:spPr>
           <a:xfrm>
-            <a:off x="6638040" y="4058640"/>
-            <a:ext cx="2920680" cy="2090880"/>
+            <a:off x="6639120" y="4058640"/>
+            <a:ext cx="2921040" cy="2090880"/>
           </a:xfrm>
           <a:prstGeom prst="rect">
             <a:avLst/>
@@ -577,7 +577,7 @@
         <p:spPr>
           <a:xfrm>
             <a:off x="504000" y="301320"/>
-            <a:ext cx="9070920" cy="1261440"/>
+            <a:ext cx="9072000" cy="1261800"/>
           </a:xfrm>
           <a:prstGeom prst="rect">
             <a:avLst/>
@@ -606,7 +606,7 @@
         <p:spPr>
           <a:xfrm>
             <a:off x="504000" y="1768680"/>
-            <a:ext cx="9071640" cy="4383720"/>
+            <a:ext cx="9072000" cy="4384080"/>
           </a:xfrm>
           <a:prstGeom prst="rect">
             <a:avLst/>
@@ -657,7 +657,7 @@
         <p:spPr>
           <a:xfrm>
             <a:off x="504000" y="301320"/>
-            <a:ext cx="9070920" cy="1261440"/>
+            <a:ext cx="9072000" cy="1261800"/>
           </a:xfrm>
           <a:prstGeom prst="rect">
             <a:avLst/>
@@ -686,7 +686,7 @@
         <p:spPr>
           <a:xfrm>
             <a:off x="504000" y="1768680"/>
-            <a:ext cx="9071640" cy="4383720"/>
+            <a:ext cx="9072000" cy="4384080"/>
           </a:xfrm>
           <a:prstGeom prst="rect">
             <a:avLst/>
@@ -738,7 +738,7 @@
         <p:spPr>
           <a:xfrm>
             <a:off x="504000" y="301320"/>
-            <a:ext cx="9070920" cy="1261440"/>
+            <a:ext cx="9072000" cy="1261800"/>
           </a:xfrm>
           <a:prstGeom prst="rect">
             <a:avLst/>
@@ -767,7 +767,7 @@
         <p:spPr>
           <a:xfrm>
             <a:off x="504000" y="1768680"/>
-            <a:ext cx="4426920" cy="4383720"/>
+            <a:ext cx="4426920" cy="4384080"/>
           </a:xfrm>
           <a:prstGeom prst="rect">
             <a:avLst/>
@@ -797,7 +797,7 @@
         <p:spPr>
           <a:xfrm>
             <a:off x="5152680" y="1768680"/>
-            <a:ext cx="4426920" cy="4383720"/>
+            <a:ext cx="4426920" cy="4384080"/>
           </a:xfrm>
           <a:prstGeom prst="rect">
             <a:avLst/>
@@ -849,7 +849,7 @@
         <p:spPr>
           <a:xfrm>
             <a:off x="504000" y="301320"/>
-            <a:ext cx="9070920" cy="1261440"/>
+            <a:ext cx="9072000" cy="1261800"/>
           </a:xfrm>
           <a:prstGeom prst="rect">
             <a:avLst/>
@@ -900,7 +900,7 @@
         <p:spPr>
           <a:xfrm>
             <a:off x="504000" y="301320"/>
-            <a:ext cx="9070920" cy="5848560"/>
+            <a:ext cx="9072000" cy="5850360"/>
           </a:xfrm>
           <a:prstGeom prst="rect">
             <a:avLst/>
@@ -951,7 +951,7 @@
         <p:spPr>
           <a:xfrm>
             <a:off x="504000" y="301320"/>
-            <a:ext cx="9070920" cy="1261440"/>
+            <a:ext cx="9072000" cy="1261800"/>
           </a:xfrm>
           <a:prstGeom prst="rect">
             <a:avLst/>
@@ -1010,7 +1010,7 @@
         <p:spPr>
           <a:xfrm>
             <a:off x="5152680" y="1768680"/>
-            <a:ext cx="4426920" cy="4383720"/>
+            <a:ext cx="4426920" cy="4384080"/>
           </a:xfrm>
           <a:prstGeom prst="rect">
             <a:avLst/>
@@ -1092,7 +1092,7 @@
         <p:spPr>
           <a:xfrm>
             <a:off x="504000" y="301320"/>
-            <a:ext cx="9070920" cy="1261440"/>
+            <a:ext cx="9072000" cy="1261800"/>
           </a:xfrm>
           <a:prstGeom prst="rect">
             <a:avLst/>
@@ -1121,7 +1121,7 @@
         <p:spPr>
           <a:xfrm>
             <a:off x="504000" y="1768680"/>
-            <a:ext cx="4426920" cy="4383720"/>
+            <a:ext cx="4426920" cy="4384080"/>
           </a:xfrm>
           <a:prstGeom prst="rect">
             <a:avLst/>
@@ -1233,7 +1233,7 @@
         <p:spPr>
           <a:xfrm>
             <a:off x="504000" y="301320"/>
-            <a:ext cx="9070920" cy="1261440"/>
+            <a:ext cx="9072000" cy="1261800"/>
           </a:xfrm>
           <a:prstGeom prst="rect">
             <a:avLst/>
@@ -1322,7 +1322,7 @@
         <p:spPr>
           <a:xfrm>
             <a:off x="504000" y="4058640"/>
-            <a:ext cx="9071640" cy="2090880"/>
+            <a:ext cx="9072000" cy="2090880"/>
           </a:xfrm>
           <a:prstGeom prst="rect">
             <a:avLst/>
@@ -1381,7 +1381,7 @@
         <p:spPr>
           <a:xfrm>
             <a:off x="504000" y="301320"/>
-            <a:ext cx="9070920" cy="1261440"/>
+            <a:ext cx="9072000" cy="1261800"/>
           </a:xfrm>
           <a:prstGeom prst="rect">
             <a:avLst/>
@@ -1390,85 +1390,14 @@
         <p:txBody>
           <a:bodyPr lIns="0" rIns="0" tIns="0" bIns="0" anchor="ctr"/>
           <a:p>
+            <a:pPr algn="ctr"/>
             <a:r>
-              <a:rPr b="0" lang="en-US" sz="1800" spc="-1" strike="noStrike">
+              <a:rPr b="0" lang="en-US" sz="4400" spc="-1" strike="noStrike">
                 <a:latin typeface="Arial"/>
               </a:rPr>
-              <a:t>Cli</a:t>
+              <a:t>Click to edit the title text format</a:t>
             </a:r>
-            <a:r>
-              <a:rPr b="0" lang="en-US" sz="1800" spc="-1" strike="noStrike">
-                <a:latin typeface="Arial"/>
-              </a:rPr>
-              <a:t>ck </a:t>
-            </a:r>
-            <a:r>
-              <a:rPr b="0" lang="en-US" sz="1800" spc="-1" strike="noStrike">
-                <a:latin typeface="Arial"/>
-              </a:rPr>
-              <a:t>to </a:t>
-            </a:r>
-            <a:r>
-              <a:rPr b="0" lang="en-US" sz="1800" spc="-1" strike="noStrike">
-                <a:latin typeface="Arial"/>
-              </a:rPr>
-              <a:t>edi</a:t>
-            </a:r>
-            <a:r>
-              <a:rPr b="0" lang="en-US" sz="1800" spc="-1" strike="noStrike">
-                <a:latin typeface="Arial"/>
-              </a:rPr>
-              <a:t>t </a:t>
-            </a:r>
-            <a:r>
-              <a:rPr b="0" lang="en-US" sz="1800" spc="-1" strike="noStrike">
-                <a:latin typeface="Arial"/>
-              </a:rPr>
-              <a:t>the </a:t>
-            </a:r>
-            <a:r>
-              <a:rPr b="0" lang="en-US" sz="1800" spc="-1" strike="noStrike">
-                <a:latin typeface="Arial"/>
-              </a:rPr>
-              <a:t>titl</a:t>
-            </a:r>
-            <a:r>
-              <a:rPr b="0" lang="en-US" sz="1800" spc="-1" strike="noStrike">
-                <a:latin typeface="Arial"/>
-              </a:rPr>
-              <a:t>e </a:t>
-            </a:r>
-            <a:r>
-              <a:rPr b="0" lang="en-US" sz="1800" spc="-1" strike="noStrike">
-                <a:latin typeface="Arial"/>
-              </a:rPr>
-              <a:t>tex</a:t>
-            </a:r>
-            <a:r>
-              <a:rPr b="0" lang="en-US" sz="1800" spc="-1" strike="noStrike">
-                <a:latin typeface="Arial"/>
-              </a:rPr>
-              <a:t>t </a:t>
-            </a:r>
-            <a:r>
-              <a:rPr b="0" lang="en-US" sz="1800" spc="-1" strike="noStrike">
-                <a:latin typeface="Arial"/>
-              </a:rPr>
-              <a:t>for</a:t>
-            </a:r>
-            <a:r>
-              <a:rPr b="0" lang="en-US" sz="1800" spc="-1" strike="noStrike">
-                <a:latin typeface="Arial"/>
-              </a:rPr>
-              <a:t>ma</a:t>
-            </a:r>
-            <a:r>
-              <a:rPr b="0" lang="en-US" sz="1800" spc="-1" strike="noStrike">
-                <a:latin typeface="Arial"/>
-              </a:rPr>
-              <a:t>t</a:t>
-            </a:r>
-            <a:endParaRPr b="0" lang="en-US" sz="1800" spc="-1" strike="noStrike">
+            <a:endParaRPr b="0" lang="en-US" sz="4400" spc="-1" strike="noStrike">
               <a:latin typeface="Arial"/>
             </a:endParaRPr>
           </a:p>
@@ -1487,7 +1416,7 @@
         <p:spPr>
           <a:xfrm>
             <a:off x="504000" y="1768680"/>
-            <a:ext cx="9071640" cy="4383720"/>
+            <a:ext cx="9072000" cy="4384080"/>
           </a:xfrm>
           <a:prstGeom prst="rect">
             <a:avLst/>
@@ -1510,18 +1439,12 @@
               <a:buChar char=""/>
             </a:pPr>
             <a:r>
-              <a:rPr b="0" lang="en-US" sz="1800" spc="-1" strike="noStrike">
+              <a:rPr b="0" lang="en-US" sz="3200" spc="-1" strike="noStrike">
                 <a:latin typeface="Arial"/>
               </a:rPr>
-              <a:t>Click to edit the outline </a:t>
+              <a:t>Click to edit the outline text format</a:t>
             </a:r>
-            <a:r>
-              <a:rPr b="0" lang="en-US" sz="1800" spc="-1" strike="noStrike">
-                <a:latin typeface="Arial"/>
-              </a:rPr>
-              <a:t>text format</a:t>
-            </a:r>
-            <a:endParaRPr b="0" lang="en-US" sz="1800" spc="-1" strike="noStrike">
+            <a:endParaRPr b="0" lang="en-US" sz="3200" spc="-1" strike="noStrike">
               <a:latin typeface="Arial"/>
             </a:endParaRPr>
           </a:p>
@@ -1538,18 +1461,12 @@
               <a:buChar char=""/>
             </a:pPr>
             <a:r>
-              <a:rPr b="0" lang="en-US" sz="1800" spc="-1" strike="noStrike">
+              <a:rPr b="0" lang="en-US" sz="2800" spc="-1" strike="noStrike">
                 <a:latin typeface="Arial"/>
               </a:rPr>
-              <a:t>Second Outline </a:t>
+              <a:t>Second Outline Level</a:t>
             </a:r>
-            <a:r>
-              <a:rPr b="0" lang="en-US" sz="1800" spc="-1" strike="noStrike">
-                <a:latin typeface="Arial"/>
-              </a:rPr>
-              <a:t>Level</a:t>
-            </a:r>
-            <a:endParaRPr b="0" lang="en-US" sz="1800" spc="-1" strike="noStrike">
+            <a:endParaRPr b="0" lang="en-US" sz="2800" spc="-1" strike="noStrike">
               <a:latin typeface="Arial"/>
             </a:endParaRPr>
           </a:p>
@@ -1566,18 +1483,12 @@
               <a:buChar char=""/>
             </a:pPr>
             <a:r>
-              <a:rPr b="0" lang="en-US" sz="1800" spc="-1" strike="noStrike">
+              <a:rPr b="0" lang="en-US" sz="2400" spc="-1" strike="noStrike">
                 <a:latin typeface="Arial"/>
               </a:rPr>
-              <a:t>Third Outline </a:t>
+              <a:t>Third Outline Level</a:t>
             </a:r>
-            <a:r>
-              <a:rPr b="0" lang="en-US" sz="1800" spc="-1" strike="noStrike">
-                <a:latin typeface="Arial"/>
-              </a:rPr>
-              <a:t>Level</a:t>
-            </a:r>
-            <a:endParaRPr b="0" lang="en-US" sz="1800" spc="-1" strike="noStrike">
+            <a:endParaRPr b="0" lang="en-US" sz="2400" spc="-1" strike="noStrike">
               <a:latin typeface="Arial"/>
             </a:endParaRPr>
           </a:p>
@@ -1594,24 +1505,12 @@
               <a:buChar char=""/>
             </a:pPr>
             <a:r>
-              <a:rPr b="0" lang="en-US" sz="1800" spc="-1" strike="noStrike">
+              <a:rPr b="0" lang="en-US" sz="2000" spc="-1" strike="noStrike">
                 <a:latin typeface="Arial"/>
               </a:rPr>
-              <a:t>Fourth </a:t>
+              <a:t>Fourth Outline Level</a:t>
             </a:r>
-            <a:r>
-              <a:rPr b="0" lang="en-US" sz="1800" spc="-1" strike="noStrike">
-                <a:latin typeface="Arial"/>
-              </a:rPr>
-              <a:t>Outline </a:t>
-            </a:r>
-            <a:r>
-              <a:rPr b="0" lang="en-US" sz="1800" spc="-1" strike="noStrike">
-                <a:latin typeface="Arial"/>
-              </a:rPr>
-              <a:t>Level</a:t>
-            </a:r>
-            <a:endParaRPr b="0" lang="en-US" sz="1800" spc="-1" strike="noStrike">
+            <a:endParaRPr b="0" lang="en-US" sz="2000" spc="-1" strike="noStrike">
               <a:latin typeface="Arial"/>
             </a:endParaRPr>
           </a:p>
@@ -1628,24 +1527,12 @@
               <a:buChar char=""/>
             </a:pPr>
             <a:r>
-              <a:rPr b="0" lang="en-US" sz="1800" spc="-1" strike="noStrike">
+              <a:rPr b="0" lang="en-US" sz="2000" spc="-1" strike="noStrike">
                 <a:latin typeface="Arial"/>
               </a:rPr>
-              <a:t>Fifth </a:t>
+              <a:t>Fifth Outline Level</a:t>
             </a:r>
-            <a:r>
-              <a:rPr b="0" lang="en-US" sz="1800" spc="-1" strike="noStrike">
-                <a:latin typeface="Arial"/>
-              </a:rPr>
-              <a:t>Outline </a:t>
-            </a:r>
-            <a:r>
-              <a:rPr b="0" lang="en-US" sz="1800" spc="-1" strike="noStrike">
-                <a:latin typeface="Arial"/>
-              </a:rPr>
-              <a:t>Level</a:t>
-            </a:r>
-            <a:endParaRPr b="0" lang="en-US" sz="1800" spc="-1" strike="noStrike">
+            <a:endParaRPr b="0" lang="en-US" sz="2000" spc="-1" strike="noStrike">
               <a:latin typeface="Arial"/>
             </a:endParaRPr>
           </a:p>
@@ -1662,48 +1549,12 @@
               <a:buChar char=""/>
             </a:pPr>
             <a:r>
-              <a:rPr b="0" lang="en-US" sz="1800" spc="-1" strike="noStrike">
+              <a:rPr b="0" lang="en-US" sz="2000" spc="-1" strike="noStrike">
                 <a:latin typeface="Arial"/>
               </a:rPr>
-              <a:t>Six</a:t>
+              <a:t>Sixth Outline Level</a:t>
             </a:r>
-            <a:r>
-              <a:rPr b="0" lang="en-US" sz="1800" spc="-1" strike="noStrike">
-                <a:latin typeface="Arial"/>
-              </a:rPr>
-              <a:t>th </a:t>
-            </a:r>
-            <a:r>
-              <a:rPr b="0" lang="en-US" sz="1800" spc="-1" strike="noStrike">
-                <a:latin typeface="Arial"/>
-              </a:rPr>
-              <a:t>Ou</a:t>
-            </a:r>
-            <a:r>
-              <a:rPr b="0" lang="en-US" sz="1800" spc="-1" strike="noStrike">
-                <a:latin typeface="Arial"/>
-              </a:rPr>
-              <a:t>tlin</a:t>
-            </a:r>
-            <a:r>
-              <a:rPr b="0" lang="en-US" sz="1800" spc="-1" strike="noStrike">
-                <a:latin typeface="Arial"/>
-              </a:rPr>
-              <a:t>e </a:t>
-            </a:r>
-            <a:r>
-              <a:rPr b="0" lang="en-US" sz="1800" spc="-1" strike="noStrike">
-                <a:latin typeface="Arial"/>
-              </a:rPr>
-              <a:t>Le</a:t>
-            </a:r>
-            <a:r>
-              <a:rPr b="0" lang="en-US" sz="1800" spc="-1" strike="noStrike">
-                <a:latin typeface="Arial"/>
-              </a:rPr>
-              <a:t>vel</a:t>
-            </a:r>
-            <a:endParaRPr b="0" lang="en-US" sz="1800" spc="-1" strike="noStrike">
+            <a:endParaRPr b="0" lang="en-US" sz="2000" spc="-1" strike="noStrike">
               <a:latin typeface="Arial"/>
             </a:endParaRPr>
           </a:p>
@@ -1720,132 +1571,12 @@
               <a:buChar char=""/>
             </a:pPr>
             <a:r>
-              <a:rPr b="0" lang="en-US" sz="1800" spc="-1" strike="noStrike">
+              <a:rPr b="0" lang="en-US" sz="2000" spc="-1" strike="noStrike">
                 <a:latin typeface="Arial"/>
               </a:rPr>
-              <a:t>S</a:t>
+              <a:t>Seventh Outline Level</a:t>
             </a:r>
-            <a:r>
-              <a:rPr b="0" lang="en-US" sz="1800" spc="-1" strike="noStrike">
-                <a:latin typeface="Arial"/>
-              </a:rPr>
-              <a:t>e</a:t>
-            </a:r>
-            <a:r>
-              <a:rPr b="0" lang="en-US" sz="1800" spc="-1" strike="noStrike">
-                <a:latin typeface="Arial"/>
-              </a:rPr>
-              <a:t>v</a:t>
-            </a:r>
-            <a:r>
-              <a:rPr b="0" lang="en-US" sz="1800" spc="-1" strike="noStrike">
-                <a:latin typeface="Arial"/>
-              </a:rPr>
-              <a:t>e</a:t>
-            </a:r>
-            <a:r>
-              <a:rPr b="0" lang="en-US" sz="1800" spc="-1" strike="noStrike">
-                <a:latin typeface="Arial"/>
-              </a:rPr>
-              <a:t>n</a:t>
-            </a:r>
-            <a:r>
-              <a:rPr b="0" lang="en-US" sz="1800" spc="-1" strike="noStrike">
-                <a:latin typeface="Arial"/>
-              </a:rPr>
-              <a:t>t</a:t>
-            </a:r>
-            <a:r>
-              <a:rPr b="0" lang="en-US" sz="1800" spc="-1" strike="noStrike">
-                <a:latin typeface="Arial"/>
-              </a:rPr>
-              <a:t>h</a:t>
-            </a:r>
-            <a:r>
-              <a:rPr b="0" lang="en-US" sz="1800" spc="-1" strike="noStrike">
-                <a:latin typeface="Arial"/>
-              </a:rPr>
-              <a:t> </a:t>
-            </a:r>
-            <a:r>
-              <a:rPr b="0" lang="en-US" sz="1800" spc="-1" strike="noStrike">
-                <a:latin typeface="Arial"/>
-              </a:rPr>
-              <a:t>O</a:t>
-            </a:r>
-            <a:r>
-              <a:rPr b="0" lang="en-US" sz="1800" spc="-1" strike="noStrike">
-                <a:latin typeface="Arial"/>
-              </a:rPr>
-              <a:t>u</a:t>
-            </a:r>
-            <a:r>
-              <a:rPr b="0" lang="en-US" sz="1800" spc="-1" strike="noStrike">
-                <a:latin typeface="Arial"/>
-              </a:rPr>
-              <a:t>t</a:t>
-            </a:r>
-            <a:r>
-              <a:rPr b="0" lang="en-US" sz="1800" spc="-1" strike="noStrike">
-                <a:latin typeface="Arial"/>
-              </a:rPr>
-              <a:t>l</a:t>
-            </a:r>
-            <a:r>
-              <a:rPr b="0" lang="en-US" sz="1800" spc="-1" strike="noStrike">
-                <a:latin typeface="Arial"/>
-              </a:rPr>
-              <a:t>i</a:t>
-            </a:r>
-            <a:r>
-              <a:rPr b="0" lang="en-US" sz="1800" spc="-1" strike="noStrike">
-                <a:latin typeface="Arial"/>
-              </a:rPr>
-              <a:t>n</a:t>
-            </a:r>
-            <a:r>
-              <a:rPr b="0" lang="en-US" sz="1800" spc="-1" strike="noStrike">
-                <a:latin typeface="Arial"/>
-              </a:rPr>
-              <a:t>e</a:t>
-            </a:r>
-            <a:r>
-              <a:rPr b="0" lang="en-US" sz="1800" spc="-1" strike="noStrike">
-                <a:latin typeface="Arial"/>
-              </a:rPr>
-              <a:t> </a:t>
-            </a:r>
-            <a:r>
-              <a:rPr b="0" lang="en-US" sz="1800" spc="-1" strike="noStrike">
-                <a:latin typeface="Arial"/>
-              </a:rPr>
-              <a:t>L</a:t>
-            </a:r>
-            <a:r>
-              <a:rPr b="0" lang="en-US" sz="1800" spc="-1" strike="noStrike">
-                <a:latin typeface="Arial"/>
-              </a:rPr>
-              <a:t>e</a:t>
-            </a:r>
-            <a:r>
-              <a:rPr b="0" lang="en-US" sz="1800" spc="-1" strike="noStrike">
-                <a:latin typeface="Arial"/>
-              </a:rPr>
-              <a:t>v</a:t>
-            </a:r>
-            <a:r>
-              <a:rPr b="0" lang="en-US" sz="1800" spc="-1" strike="noStrike">
-                <a:latin typeface="Arial"/>
-              </a:rPr>
-              <a:t>e</a:t>
-            </a:r>
-            <a:r>
-              <a:rPr b="0" lang="en-US" sz="1800" spc="-1" strike="noStrike">
-                <a:latin typeface="Arial"/>
-              </a:rPr>
-              <a:t>l</a:t>
-            </a:r>
-            <a:endParaRPr b="0" lang="en-US" sz="1800" spc="-1" strike="noStrike">
+            <a:endParaRPr b="0" lang="en-US" sz="2000" spc="-1" strike="noStrike">
               <a:latin typeface="Arial"/>
             </a:endParaRPr>
           </a:p>
@@ -1897,7 +1628,7 @@
         <p:spPr>
           <a:xfrm>
             <a:off x="7070040" y="2136240"/>
-            <a:ext cx="2932560" cy="1554120"/>
+            <a:ext cx="2932200" cy="1553760"/>
           </a:xfrm>
           <a:prstGeom prst="ellipse">
             <a:avLst/>
@@ -1927,7 +1658,7 @@
         <p:spPr>
           <a:xfrm>
             <a:off x="109800" y="1828800"/>
-            <a:ext cx="1420920" cy="731160"/>
+            <a:ext cx="1420560" cy="730800"/>
           </a:xfrm>
           <a:prstGeom prst="ellipse">
             <a:avLst/>
@@ -1957,7 +1688,7 @@
         <p:spPr>
           <a:xfrm>
             <a:off x="168480" y="2067120"/>
-            <a:ext cx="1387080" cy="315360"/>
+            <a:ext cx="1386720" cy="315000"/>
           </a:xfrm>
           <a:prstGeom prst="rect">
             <a:avLst/>
@@ -2006,7 +1737,7 @@
         <p:spPr>
           <a:xfrm>
             <a:off x="1938600" y="1975680"/>
-            <a:ext cx="1384560" cy="456480"/>
+            <a:ext cx="1384200" cy="456120"/>
           </a:xfrm>
           <a:prstGeom prst="rect">
             <a:avLst/>
@@ -2036,7 +1767,7 @@
         <p:spPr>
           <a:xfrm>
             <a:off x="2076840" y="2067120"/>
-            <a:ext cx="1048680" cy="315360"/>
+            <a:ext cx="1048320" cy="315000"/>
           </a:xfrm>
           <a:prstGeom prst="rect">
             <a:avLst/>
@@ -2095,7 +1826,7 @@
         <p:spPr>
           <a:xfrm>
             <a:off x="2251800" y="3520440"/>
-            <a:ext cx="1384560" cy="456480"/>
+            <a:ext cx="1384200" cy="456120"/>
           </a:xfrm>
           <a:prstGeom prst="rect">
             <a:avLst/>
@@ -2125,7 +1856,7 @@
         <p:spPr>
           <a:xfrm>
             <a:off x="2570040" y="3566160"/>
-            <a:ext cx="654120" cy="315360"/>
+            <a:ext cx="653760" cy="315000"/>
           </a:xfrm>
           <a:prstGeom prst="rect">
             <a:avLst/>
@@ -2174,7 +1905,7 @@
         <p:spPr>
           <a:xfrm>
             <a:off x="5607000" y="2688840"/>
-            <a:ext cx="1186920" cy="456480"/>
+            <a:ext cx="1186560" cy="456120"/>
           </a:xfrm>
           <a:prstGeom prst="rect">
             <a:avLst/>
@@ -2204,7 +1935,7 @@
         <p:spPr>
           <a:xfrm>
             <a:off x="5745240" y="2780280"/>
-            <a:ext cx="1048680" cy="315360"/>
+            <a:ext cx="1048320" cy="315000"/>
           </a:xfrm>
           <a:prstGeom prst="rect">
             <a:avLst/>
@@ -2236,17 +1967,7 @@
                 <a:latin typeface="Arial"/>
                 <a:ea typeface="DejaVu Sans"/>
               </a:rPr>
-              <a:t>Deman</a:t>
-            </a:r>
-            <a:r>
-              <a:rPr b="0" lang="en-US" sz="1400" spc="-1" strike="noStrike">
-                <a:solidFill>
-                  <a:srgbClr val="000000"/>
-                </a:solidFill>
-                <a:latin typeface="Arial"/>
-                <a:ea typeface="DejaVu Sans"/>
-              </a:rPr>
-              <a:t>ds</a:t>
+              <a:t>Demands</a:t>
             </a:r>
             <a:endParaRPr b="0" lang="en-US" sz="1400" spc="-1" strike="noStrike">
               <a:latin typeface="Arial"/>
@@ -2263,7 +1984,7 @@
         <p:spPr>
           <a:xfrm>
             <a:off x="3869640" y="2551320"/>
-            <a:ext cx="1463040" cy="730800"/>
+            <a:ext cx="1462680" cy="730440"/>
           </a:xfrm>
           <a:prstGeom prst="ellipse">
             <a:avLst/>
@@ -2293,7 +2014,7 @@
         <p:spPr>
           <a:xfrm>
             <a:off x="3889080" y="2632680"/>
-            <a:ext cx="1465560" cy="315360"/>
+            <a:ext cx="1465200" cy="315000"/>
           </a:xfrm>
           <a:prstGeom prst="rect">
             <a:avLst/>
@@ -2362,7 +2083,7 @@
         <p:spPr>
           <a:xfrm>
             <a:off x="54360" y="3200400"/>
-            <a:ext cx="1737000" cy="1096920"/>
+            <a:ext cx="1736640" cy="1096560"/>
           </a:xfrm>
           <a:prstGeom prst="ellipse">
             <a:avLst/>
@@ -2392,7 +2113,7 @@
         <p:spPr>
           <a:xfrm>
             <a:off x="439920" y="3350160"/>
-            <a:ext cx="925200" cy="315360"/>
+            <a:ext cx="924840" cy="315000"/>
           </a:xfrm>
           <a:prstGeom prst="rect">
             <a:avLst/>
@@ -2441,7 +2162,7 @@
         <p:spPr>
           <a:xfrm>
             <a:off x="506880" y="3693600"/>
-            <a:ext cx="785520" cy="420840"/>
+            <a:ext cx="785160" cy="420480"/>
           </a:xfrm>
           <a:prstGeom prst="ellipse">
             <a:avLst/>
@@ -2471,7 +2192,7 @@
         <p:spPr>
           <a:xfrm>
             <a:off x="624600" y="3755520"/>
-            <a:ext cx="528840" cy="290880"/>
+            <a:ext cx="528480" cy="290520"/>
           </a:xfrm>
           <a:prstGeom prst="rect">
             <a:avLst/>
@@ -2519,8 +2240,8 @@
         </p:nvSpPr>
         <p:spPr>
           <a:xfrm flipV="1">
-            <a:off x="1791720" y="3747960"/>
-            <a:ext cx="460080" cy="360"/>
+            <a:off x="1791720" y="3747240"/>
+            <a:ext cx="459720" cy="360"/>
           </a:xfrm>
           <a:custGeom>
             <a:avLst/>
@@ -2562,7 +2283,7 @@
         <p:spPr>
           <a:xfrm>
             <a:off x="1555920" y="2194560"/>
-            <a:ext cx="382680" cy="9360"/>
+            <a:ext cx="382320" cy="9000"/>
           </a:xfrm>
           <a:custGeom>
             <a:avLst/>
@@ -2604,7 +2325,7 @@
         <p:spPr>
           <a:xfrm>
             <a:off x="3323520" y="2203920"/>
-            <a:ext cx="544320" cy="719280"/>
+            <a:ext cx="543960" cy="718920"/>
           </a:xfrm>
           <a:custGeom>
             <a:avLst/>
@@ -2646,7 +2367,7 @@
         <p:spPr>
           <a:xfrm flipV="1">
             <a:off x="3636720" y="2922480"/>
-            <a:ext cx="231120" cy="825480"/>
+            <a:ext cx="230760" cy="825120"/>
           </a:xfrm>
           <a:custGeom>
             <a:avLst/>
@@ -2688,7 +2409,7 @@
         <p:spPr>
           <a:xfrm>
             <a:off x="5333040" y="2916720"/>
-            <a:ext cx="273960" cy="360"/>
+            <a:ext cx="273600" cy="360"/>
           </a:xfrm>
           <a:custGeom>
             <a:avLst/>
@@ -2729,8 +2450,8 @@
         </p:nvSpPr>
         <p:spPr>
           <a:xfrm flipV="1">
-            <a:off x="6794280" y="2913480"/>
-            <a:ext cx="275760" cy="3600"/>
+            <a:off x="6794280" y="2912760"/>
+            <a:ext cx="275400" cy="3240"/>
           </a:xfrm>
           <a:custGeom>
             <a:avLst/>
@@ -2772,7 +2493,7 @@
         <p:spPr>
           <a:xfrm>
             <a:off x="7919280" y="2671560"/>
-            <a:ext cx="1280160" cy="437400"/>
+            <a:ext cx="1279800" cy="437040"/>
           </a:xfrm>
           <a:prstGeom prst="rect">
             <a:avLst/>
@@ -2802,7 +2523,7 @@
         <p:spPr>
           <a:xfrm>
             <a:off x="8082720" y="2763000"/>
-            <a:ext cx="914400" cy="315360"/>
+            <a:ext cx="914040" cy="315000"/>
           </a:xfrm>
           <a:prstGeom prst="rect">
             <a:avLst/>
@@ -2851,7 +2572,7 @@
         <p:spPr>
           <a:xfrm>
             <a:off x="8095320" y="3183840"/>
-            <a:ext cx="940680" cy="318240"/>
+            <a:ext cx="940320" cy="317880"/>
           </a:xfrm>
           <a:prstGeom prst="rect">
             <a:avLst/>
@@ -2891,6 +2612,124 @@
           </a:p>
         </p:txBody>
       </p:sp>
+      <p:sp>
+        <p:nvSpPr>
+          <p:cNvPr id="62" name="CustomShape 25"/>
+          <p:cNvSpPr/>
+          <p:nvPr/>
+        </p:nvSpPr>
+        <p:spPr>
+          <a:xfrm>
+            <a:off x="4846320" y="3939480"/>
+            <a:ext cx="2180520" cy="1053720"/>
+          </a:xfrm>
+          <a:prstGeom prst="ellipse">
+            <a:avLst/>
+          </a:prstGeom>
+          <a:solidFill>
+            <a:srgbClr val="cccccc"/>
+          </a:solidFill>
+          <a:ln>
+            <a:solidFill>
+              <a:srgbClr val="000000"/>
+            </a:solidFill>
+          </a:ln>
+        </p:spPr>
+        <p:style>
+          <a:lnRef idx="0"/>
+          <a:fillRef idx="0"/>
+          <a:effectRef idx="0"/>
+          <a:fontRef idx="minor"/>
+        </p:style>
+      </p:sp>
+      <p:sp>
+        <p:nvSpPr>
+          <p:cNvPr id="63" name="TextShape 26"/>
+          <p:cNvSpPr txBox="1"/>
+          <p:nvPr/>
+        </p:nvSpPr>
+        <p:spPr>
+          <a:xfrm>
+            <a:off x="5195520" y="4303440"/>
+            <a:ext cx="1578240" cy="360000"/>
+          </a:xfrm>
+          <a:prstGeom prst="rect">
+            <a:avLst/>
+          </a:prstGeom>
+          <a:noFill/>
+          <a:ln>
+            <a:noFill/>
+          </a:ln>
+        </p:spPr>
+        <p:txBody>
+          <a:bodyPr lIns="90000" rIns="90000" tIns="45000" bIns="45000"/>
+          <a:p>
+            <a:r>
+              <a:rPr b="0" lang="en-US" sz="1400" spc="-1" strike="noStrike">
+                <a:solidFill>
+                  <a:srgbClr val="000000"/>
+                </a:solidFill>
+                <a:latin typeface="Arial"/>
+                <a:ea typeface="DejaVu Sans"/>
+              </a:rPr>
+              <a:t>Flight Controller</a:t>
+            </a:r>
+            <a:endParaRPr b="0" lang="en-US" sz="1400" spc="-1" strike="noStrike">
+              <a:latin typeface="Arial"/>
+            </a:endParaRPr>
+          </a:p>
+        </p:txBody>
+      </p:sp>
+      <p:cxnSp>
+        <p:nvCxnSpPr>
+          <p:cNvPr id="64" name="Line 27"/>
+          <p:cNvCxnSpPr>
+            <a:stCxn id="38" idx="2"/>
+            <a:endCxn id="62" idx="3"/>
+          </p:cNvCxnSpPr>
+          <p:nvPr/>
+        </p:nvCxnSpPr>
+        <p:spPr>
+          <a:xfrm flipH="1">
+            <a:off x="7026840" y="3690000"/>
+            <a:ext cx="1509480" cy="776520"/>
+          </a:xfrm>
+          <a:prstGeom prst="curvedConnector3">
+            <a:avLst/>
+          </a:prstGeom>
+          <a:ln>
+            <a:solidFill>
+              <a:srgbClr val="000000"/>
+            </a:solidFill>
+            <a:tailEnd len="med" type="triangle" w="med"/>
+          </a:ln>
+        </p:spPr>
+      </p:cxnSp>
+      <p:cxnSp>
+        <p:nvCxnSpPr>
+          <p:cNvPr id="65" name="Line 28"/>
+          <p:cNvCxnSpPr>
+            <a:stCxn id="62" idx="1"/>
+            <a:endCxn id="43" idx="2"/>
+          </p:cNvCxnSpPr>
+          <p:nvPr/>
+        </p:nvCxnSpPr>
+        <p:spPr>
+          <a:xfrm flipH="1" flipV="1">
+            <a:off x="2943720" y="3976560"/>
+            <a:ext cx="1902960" cy="489960"/>
+          </a:xfrm>
+          <a:prstGeom prst="curvedConnector3">
+            <a:avLst/>
+          </a:prstGeom>
+          <a:ln>
+            <a:solidFill>
+              <a:srgbClr val="000000"/>
+            </a:solidFill>
+            <a:tailEnd len="med" type="triangle" w="med"/>
+          </a:ln>
+        </p:spPr>
+      </p:cxnSp>
     </p:spTree>
   </p:cSld>
   <p:timing>
